--- a/Green Energy Presentation.pptx
+++ b/Green Energy Presentation.pptx
@@ -2297,14 +2297,14 @@
       </dgm:t>
     </dgm:pt>
     <dgm:pt modelId="{A3BE33AB-D240-4C98-8EB7-E046DB04FFB2}">
-      <dgm:prSet/>
+      <dgm:prSet custT="1"/>
       <dgm:spPr/>
       <dgm:t>
         <a:bodyPr/>
         <a:lstStyle/>
         <a:p>
           <a:r>
-            <a:rPr lang="en-US"/>
+            <a:rPr lang="en-US" sz="1800" dirty="0"/>
             <a:t>Clean and modify the data using Pandas and Jupyter Notebook.</a:t>
           </a:r>
         </a:p>
@@ -2333,14 +2333,14 @@
       </dgm:t>
     </dgm:pt>
     <dgm:pt modelId="{5E3A7F29-168B-42DA-8E82-8F04799F0C51}">
-      <dgm:prSet/>
+      <dgm:prSet custT="1"/>
       <dgm:spPr/>
       <dgm:t>
         <a:bodyPr/>
         <a:lstStyle/>
         <a:p>
           <a:r>
-            <a:rPr lang="en-US"/>
+            <a:rPr lang="en-US" sz="1800" dirty="0"/>
             <a:t>Use Heroku and PostgreSQL as the database.</a:t>
           </a:r>
         </a:p>
@@ -2369,14 +2369,14 @@
       </dgm:t>
     </dgm:pt>
     <dgm:pt modelId="{F325F380-6577-457A-870E-B6476DAA3BCB}">
-      <dgm:prSet/>
+      <dgm:prSet custT="1"/>
       <dgm:spPr/>
       <dgm:t>
         <a:bodyPr/>
         <a:lstStyle/>
         <a:p>
           <a:r>
-            <a:rPr lang="en-US"/>
+            <a:rPr lang="en-US" sz="1800" dirty="0"/>
             <a:t>Use Python as the server-side language, Flask as the web server and SQLAlchemy as the ORM.</a:t>
           </a:r>
         </a:p>
@@ -2405,14 +2405,14 @@
       </dgm:t>
     </dgm:pt>
     <dgm:pt modelId="{45C6E364-7183-4B1A-972B-3EF98E2D84FB}">
-      <dgm:prSet/>
+      <dgm:prSet custT="1"/>
       <dgm:spPr/>
       <dgm:t>
         <a:bodyPr/>
         <a:lstStyle/>
         <a:p>
           <a:r>
-            <a:rPr lang="en-US"/>
+            <a:rPr lang="en-US" sz="1800" dirty="0"/>
             <a:t>Use HTML, CSS and JavaScript on the front end.</a:t>
           </a:r>
         </a:p>
@@ -2441,15 +2441,19 @@
       </dgm:t>
     </dgm:pt>
     <dgm:pt modelId="{2D7268C0-00E2-43EE-92CC-C7CD5C43C097}">
-      <dgm:prSet/>
+      <dgm:prSet custT="1"/>
       <dgm:spPr/>
       <dgm:t>
         <a:bodyPr/>
         <a:lstStyle/>
         <a:p>
           <a:r>
-            <a:rPr lang="en-US"/>
-            <a:t>Use D3, Plotly, Chart.js and Leaflet to visualize the data.</a:t>
+            <a:rPr lang="en-US" sz="1800" dirty="0"/>
+            <a:t>Use D3, Plotly, Chart.js and Leaflet to visualize the data</a:t>
+          </a:r>
+          <a:r>
+            <a:rPr lang="en-US" sz="1900" dirty="0"/>
+            <a:t>.</a:t>
           </a:r>
         </a:p>
       </dgm:t>
@@ -3279,8 +3283,8 @@
       </dsp:nvSpPr>
       <dsp:spPr>
         <a:xfrm>
-          <a:off x="0" y="4155"/>
-          <a:ext cx="5889686" cy="885154"/>
+          <a:off x="0" y="6748"/>
+          <a:ext cx="5889686" cy="857493"/>
         </a:xfrm>
         <a:prstGeom prst="roundRect">
           <a:avLst>
@@ -3321,8 +3325,8 @@
       </dsp:nvSpPr>
       <dsp:spPr>
         <a:xfrm>
-          <a:off x="267759" y="203315"/>
-          <a:ext cx="486835" cy="486835"/>
+          <a:off x="259391" y="199685"/>
+          <a:ext cx="472082" cy="471621"/>
         </a:xfrm>
         <a:prstGeom prst="rect">
           <a:avLst/>
@@ -3370,8 +3374,8 @@
       </dsp:nvSpPr>
       <dsp:spPr>
         <a:xfrm>
-          <a:off x="1022353" y="4155"/>
-          <a:ext cx="4867332" cy="885154"/>
+          <a:off x="990866" y="6748"/>
+          <a:ext cx="4883559" cy="884290"/>
         </a:xfrm>
         <a:prstGeom prst="rect">
           <a:avLst/>
@@ -3395,12 +3399,12 @@
         <a:fontRef idx="minor"/>
       </dsp:style>
       <dsp:txBody>
-        <a:bodyPr spcFirstLastPara="0" vert="horz" wrap="square" lIns="93679" tIns="93679" rIns="93679" bIns="93679" numCol="1" spcCol="1270" anchor="ctr" anchorCtr="0">
+        <a:bodyPr spcFirstLastPara="0" vert="horz" wrap="square" lIns="93587" tIns="93587" rIns="93587" bIns="93587" numCol="1" spcCol="1270" anchor="ctr" anchorCtr="0">
           <a:noAutofit/>
         </a:bodyPr>
         <a:lstStyle/>
         <a:p>
-          <a:pPr marL="0" lvl="0" indent="0" algn="l" defTabSz="755650">
+          <a:pPr marL="0" lvl="0" indent="0" algn="l" defTabSz="800100">
             <a:lnSpc>
               <a:spcPct val="90000"/>
             </a:lnSpc>
@@ -3413,14 +3417,14 @@
             <a:buNone/>
           </a:pPr>
           <a:r>
-            <a:rPr lang="en-US" sz="1700" kern="1200"/>
+            <a:rPr lang="en-US" sz="1800" kern="1200" dirty="0"/>
             <a:t>Clean and modify the data using Pandas and Jupyter Notebook.</a:t>
           </a:r>
         </a:p>
       </dsp:txBody>
       <dsp:txXfrm>
-        <a:off x="1022353" y="4155"/>
-        <a:ext cx="4867332" cy="885154"/>
+        <a:off x="990866" y="6748"/>
+        <a:ext cx="4883559" cy="884290"/>
       </dsp:txXfrm>
     </dsp:sp>
     <dsp:sp modelId="{796AF969-B2FF-4497-912F-DE17D19E0724}">
@@ -3430,8 +3434,8 @@
       </dsp:nvSpPr>
       <dsp:spPr>
         <a:xfrm>
-          <a:off x="0" y="1110599"/>
-          <a:ext cx="5889686" cy="885154"/>
+          <a:off x="0" y="1112112"/>
+          <a:ext cx="5889686" cy="857493"/>
         </a:xfrm>
         <a:prstGeom prst="roundRect">
           <a:avLst>
@@ -3472,8 +3476,8 @@
       </dsp:nvSpPr>
       <dsp:spPr>
         <a:xfrm>
-          <a:off x="267759" y="1309759"/>
-          <a:ext cx="486835" cy="486835"/>
+          <a:off x="259391" y="1305048"/>
+          <a:ext cx="472082" cy="471621"/>
         </a:xfrm>
         <a:prstGeom prst="rect">
           <a:avLst/>
@@ -3521,8 +3525,8 @@
       </dsp:nvSpPr>
       <dsp:spPr>
         <a:xfrm>
-          <a:off x="1022353" y="1110599"/>
-          <a:ext cx="4867332" cy="885154"/>
+          <a:off x="990866" y="1112112"/>
+          <a:ext cx="4883559" cy="884290"/>
         </a:xfrm>
         <a:prstGeom prst="rect">
           <a:avLst/>
@@ -3546,12 +3550,12 @@
         <a:fontRef idx="minor"/>
       </dsp:style>
       <dsp:txBody>
-        <a:bodyPr spcFirstLastPara="0" vert="horz" wrap="square" lIns="93679" tIns="93679" rIns="93679" bIns="93679" numCol="1" spcCol="1270" anchor="ctr" anchorCtr="0">
+        <a:bodyPr spcFirstLastPara="0" vert="horz" wrap="square" lIns="93587" tIns="93587" rIns="93587" bIns="93587" numCol="1" spcCol="1270" anchor="ctr" anchorCtr="0">
           <a:noAutofit/>
         </a:bodyPr>
         <a:lstStyle/>
         <a:p>
-          <a:pPr marL="0" lvl="0" indent="0" algn="l" defTabSz="755650">
+          <a:pPr marL="0" lvl="0" indent="0" algn="l" defTabSz="800100">
             <a:lnSpc>
               <a:spcPct val="90000"/>
             </a:lnSpc>
@@ -3564,14 +3568,14 @@
             <a:buNone/>
           </a:pPr>
           <a:r>
-            <a:rPr lang="en-US" sz="1700" kern="1200"/>
+            <a:rPr lang="en-US" sz="1800" kern="1200" dirty="0"/>
             <a:t>Use Heroku and PostgreSQL as the database.</a:t>
           </a:r>
         </a:p>
       </dsp:txBody>
       <dsp:txXfrm>
-        <a:off x="1022353" y="1110599"/>
-        <a:ext cx="4867332" cy="885154"/>
+        <a:off x="990866" y="1112112"/>
+        <a:ext cx="4883559" cy="884290"/>
       </dsp:txXfrm>
     </dsp:sp>
     <dsp:sp modelId="{E698CCAD-8A33-4ED4-A20C-8BCA23EB1ECC}">
@@ -3581,8 +3585,8 @@
       </dsp:nvSpPr>
       <dsp:spPr>
         <a:xfrm>
-          <a:off x="0" y="2217043"/>
-          <a:ext cx="5889686" cy="885154"/>
+          <a:off x="0" y="2217475"/>
+          <a:ext cx="5889686" cy="857493"/>
         </a:xfrm>
         <a:prstGeom prst="roundRect">
           <a:avLst>
@@ -3623,8 +3627,8 @@
       </dsp:nvSpPr>
       <dsp:spPr>
         <a:xfrm>
-          <a:off x="267759" y="2416202"/>
-          <a:ext cx="486835" cy="486835"/>
+          <a:off x="259391" y="2410411"/>
+          <a:ext cx="472082" cy="471621"/>
         </a:xfrm>
         <a:prstGeom prst="rect">
           <a:avLst/>
@@ -3672,8 +3676,8 @@
       </dsp:nvSpPr>
       <dsp:spPr>
         <a:xfrm>
-          <a:off x="1022353" y="2217043"/>
-          <a:ext cx="4867332" cy="885154"/>
+          <a:off x="990866" y="2217475"/>
+          <a:ext cx="4883559" cy="884290"/>
         </a:xfrm>
         <a:prstGeom prst="rect">
           <a:avLst/>
@@ -3697,12 +3701,12 @@
         <a:fontRef idx="minor"/>
       </dsp:style>
       <dsp:txBody>
-        <a:bodyPr spcFirstLastPara="0" vert="horz" wrap="square" lIns="93679" tIns="93679" rIns="93679" bIns="93679" numCol="1" spcCol="1270" anchor="ctr" anchorCtr="0">
+        <a:bodyPr spcFirstLastPara="0" vert="horz" wrap="square" lIns="93587" tIns="93587" rIns="93587" bIns="93587" numCol="1" spcCol="1270" anchor="ctr" anchorCtr="0">
           <a:noAutofit/>
         </a:bodyPr>
         <a:lstStyle/>
         <a:p>
-          <a:pPr marL="0" lvl="0" indent="0" algn="l" defTabSz="755650">
+          <a:pPr marL="0" lvl="0" indent="0" algn="l" defTabSz="800100">
             <a:lnSpc>
               <a:spcPct val="90000"/>
             </a:lnSpc>
@@ -3715,14 +3719,14 @@
             <a:buNone/>
           </a:pPr>
           <a:r>
-            <a:rPr lang="en-US" sz="1700" kern="1200"/>
+            <a:rPr lang="en-US" sz="1800" kern="1200" dirty="0"/>
             <a:t>Use Python as the server-side language, Flask as the web server and SQLAlchemy as the ORM.</a:t>
           </a:r>
         </a:p>
       </dsp:txBody>
       <dsp:txXfrm>
-        <a:off x="1022353" y="2217043"/>
-        <a:ext cx="4867332" cy="885154"/>
+        <a:off x="990866" y="2217475"/>
+        <a:ext cx="4883559" cy="884290"/>
       </dsp:txXfrm>
     </dsp:sp>
     <dsp:sp modelId="{BA615855-B56C-4789-BCB2-38FDC6A40EBE}">
@@ -3732,8 +3736,8 @@
       </dsp:nvSpPr>
       <dsp:spPr>
         <a:xfrm>
-          <a:off x="0" y="3323486"/>
-          <a:ext cx="5889686" cy="885154"/>
+          <a:off x="0" y="3322838"/>
+          <a:ext cx="5889686" cy="857493"/>
         </a:xfrm>
         <a:prstGeom prst="roundRect">
           <a:avLst>
@@ -3774,8 +3778,8 @@
       </dsp:nvSpPr>
       <dsp:spPr>
         <a:xfrm>
-          <a:off x="267759" y="3522646"/>
-          <a:ext cx="486835" cy="486835"/>
+          <a:off x="259391" y="3515774"/>
+          <a:ext cx="472082" cy="471621"/>
         </a:xfrm>
         <a:prstGeom prst="rect">
           <a:avLst/>
@@ -3823,8 +3827,8 @@
       </dsp:nvSpPr>
       <dsp:spPr>
         <a:xfrm>
-          <a:off x="1022353" y="3323486"/>
-          <a:ext cx="4867332" cy="885154"/>
+          <a:off x="990866" y="3322838"/>
+          <a:ext cx="4883559" cy="884290"/>
         </a:xfrm>
         <a:prstGeom prst="rect">
           <a:avLst/>
@@ -3848,12 +3852,12 @@
         <a:fontRef idx="minor"/>
       </dsp:style>
       <dsp:txBody>
-        <a:bodyPr spcFirstLastPara="0" vert="horz" wrap="square" lIns="93679" tIns="93679" rIns="93679" bIns="93679" numCol="1" spcCol="1270" anchor="ctr" anchorCtr="0">
+        <a:bodyPr spcFirstLastPara="0" vert="horz" wrap="square" lIns="93587" tIns="93587" rIns="93587" bIns="93587" numCol="1" spcCol="1270" anchor="ctr" anchorCtr="0">
           <a:noAutofit/>
         </a:bodyPr>
         <a:lstStyle/>
         <a:p>
-          <a:pPr marL="0" lvl="0" indent="0" algn="l" defTabSz="755650">
+          <a:pPr marL="0" lvl="0" indent="0" algn="l" defTabSz="800100">
             <a:lnSpc>
               <a:spcPct val="90000"/>
             </a:lnSpc>
@@ -3866,14 +3870,14 @@
             <a:buNone/>
           </a:pPr>
           <a:r>
-            <a:rPr lang="en-US" sz="1700" kern="1200"/>
+            <a:rPr lang="en-US" sz="1800" kern="1200" dirty="0"/>
             <a:t>Use HTML, CSS and JavaScript on the front end.</a:t>
           </a:r>
         </a:p>
       </dsp:txBody>
       <dsp:txXfrm>
-        <a:off x="1022353" y="3323486"/>
-        <a:ext cx="4867332" cy="885154"/>
+        <a:off x="990866" y="3322838"/>
+        <a:ext cx="4883559" cy="884290"/>
       </dsp:txXfrm>
     </dsp:sp>
     <dsp:sp modelId="{DA118741-E095-49D0-BA69-E0EDCD4CCD7D}">
@@ -3883,8 +3887,8 @@
       </dsp:nvSpPr>
       <dsp:spPr>
         <a:xfrm>
-          <a:off x="0" y="4429930"/>
-          <a:ext cx="5889686" cy="885154"/>
+          <a:off x="0" y="4428201"/>
+          <a:ext cx="5889686" cy="857493"/>
         </a:xfrm>
         <a:prstGeom prst="roundRect">
           <a:avLst>
@@ -3925,8 +3929,8 @@
       </dsp:nvSpPr>
       <dsp:spPr>
         <a:xfrm>
-          <a:off x="267759" y="4629090"/>
-          <a:ext cx="486835" cy="486835"/>
+          <a:off x="259391" y="4621137"/>
+          <a:ext cx="472082" cy="471621"/>
         </a:xfrm>
         <a:prstGeom prst="rect">
           <a:avLst/>
@@ -3974,8 +3978,8 @@
       </dsp:nvSpPr>
       <dsp:spPr>
         <a:xfrm>
-          <a:off x="1022353" y="4429930"/>
-          <a:ext cx="4867332" cy="885154"/>
+          <a:off x="990866" y="4428201"/>
+          <a:ext cx="4883559" cy="884290"/>
         </a:xfrm>
         <a:prstGeom prst="rect">
           <a:avLst/>
@@ -3999,12 +4003,12 @@
         <a:fontRef idx="minor"/>
       </dsp:style>
       <dsp:txBody>
-        <a:bodyPr spcFirstLastPara="0" vert="horz" wrap="square" lIns="93679" tIns="93679" rIns="93679" bIns="93679" numCol="1" spcCol="1270" anchor="ctr" anchorCtr="0">
+        <a:bodyPr spcFirstLastPara="0" vert="horz" wrap="square" lIns="93587" tIns="93587" rIns="93587" bIns="93587" numCol="1" spcCol="1270" anchor="ctr" anchorCtr="0">
           <a:noAutofit/>
         </a:bodyPr>
         <a:lstStyle/>
         <a:p>
-          <a:pPr marL="0" lvl="0" indent="0" algn="l" defTabSz="755650">
+          <a:pPr marL="0" lvl="0" indent="0" algn="l" defTabSz="800100">
             <a:lnSpc>
               <a:spcPct val="90000"/>
             </a:lnSpc>
@@ -4017,14 +4021,18 @@
             <a:buNone/>
           </a:pPr>
           <a:r>
-            <a:rPr lang="en-US" sz="1700" kern="1200"/>
-            <a:t>Use D3, Plotly, Chart.js and Leaflet to visualize the data.</a:t>
+            <a:rPr lang="en-US" sz="1800" kern="1200" dirty="0"/>
+            <a:t>Use D3, Plotly, Chart.js and Leaflet to visualize the data</a:t>
+          </a:r>
+          <a:r>
+            <a:rPr lang="en-US" sz="1900" kern="1200" dirty="0"/>
+            <a:t>.</a:t>
           </a:r>
         </a:p>
       </dsp:txBody>
       <dsp:txXfrm>
-        <a:off x="1022353" y="4429930"/>
-        <a:ext cx="4867332" cy="885154"/>
+        <a:off x="990866" y="4428201"/>
+        <a:ext cx="4883559" cy="884290"/>
       </dsp:txXfrm>
     </dsp:sp>
   </dsp:spTree>
@@ -11897,18 +11905,9 @@
           </a:p>
           <a:p>
             <a:r>
-              <a:rPr lang="en-US" dirty="0" err="1"/>
-              <a:t>Nadire</a:t>
+              <a:rPr lang="en-US" dirty="0"/>
+              <a:t>Nadire Gokcehan</a:t>
             </a:r>
-            <a:r>
-              <a:rPr lang="en-US" dirty="0"/>
-              <a:t> </a:t>
-            </a:r>
-            <a:r>
-              <a:rPr lang="en-US" dirty="0" err="1"/>
-              <a:t>Gokcehan</a:t>
-            </a:r>
-            <a:endParaRPr lang="en-US" dirty="0"/>
           </a:p>
           <a:p>
             <a:endParaRPr lang="en-US" dirty="0"/>
@@ -11925,15 +11924,7 @@
           <a:p>
             <a:r>
               <a:rPr lang="en-US" dirty="0"/>
-              <a:t>Jacob </a:t>
-            </a:r>
-            <a:r>
-              <a:rPr lang="en-US" dirty="0" err="1"/>
-              <a:t>Abdelkhaleq</a:t>
-            </a:r>
-            <a:r>
-              <a:rPr lang="en-US" dirty="0"/>
-              <a:t> </a:t>
+              <a:t>Jacob Abdelkhaleq </a:t>
             </a:r>
           </a:p>
           <a:p>
@@ -12722,8 +12713,8 @@
         </p:nvSpPr>
         <p:spPr>
           <a:xfrm>
-            <a:off x="2611808" y="1022548"/>
-            <a:ext cx="7958331" cy="1308063"/>
+            <a:off x="2611808" y="387626"/>
+            <a:ext cx="7958331" cy="695739"/>
           </a:xfrm>
           <a:prstGeom prst="rect">
             <a:avLst/>
@@ -12747,7 +12738,7 @@
               </a:spcAft>
             </a:pPr>
             <a:r>
-              <a:rPr lang="en-US" sz="4400">
+              <a:rPr lang="en-US" sz="4400" dirty="0">
                 <a:solidFill>
                   <a:srgbClr val="1F2D29"/>
                 </a:solidFill>
@@ -12755,7 +12746,7 @@
                 <a:ea typeface="+mj-ea"/>
                 <a:cs typeface="+mj-cs"/>
               </a:rPr>
-              <a:t>Data Sources</a:t>
+              <a:t>   Data Sources</a:t>
             </a:r>
           </a:p>
         </p:txBody>
@@ -12774,8 +12765,8 @@
         </p:nvSpPr>
         <p:spPr>
           <a:xfrm>
-            <a:off x="1924084" y="2198256"/>
-            <a:ext cx="9405392" cy="4659744"/>
+            <a:off x="1767974" y="1427431"/>
+            <a:ext cx="9834967" cy="5261603"/>
           </a:xfrm>
           <a:prstGeom prst="rect">
             <a:avLst/>
@@ -12783,7 +12774,7 @@
         </p:spPr>
         <p:txBody>
           <a:bodyPr vert="horz" lIns="91440" tIns="45720" rIns="91440" bIns="45720" rtlCol="0" anchor="t">
-            <a:normAutofit lnSpcReduction="10000"/>
+            <a:normAutofit/>
           </a:bodyPr>
           <a:lstStyle/>
           <a:p>
@@ -14041,8 +14032,8 @@
         </p:nvSpPr>
         <p:spPr>
           <a:xfrm>
-            <a:off x="5329969" y="647750"/>
-            <a:ext cx="5850936" cy="5571066"/>
+            <a:off x="5168348" y="647750"/>
+            <a:ext cx="6012557" cy="5571066"/>
           </a:xfrm>
           <a:prstGeom prst="rect">
             <a:avLst/>
@@ -15684,7 +15675,7 @@
           <p:nvPr>
             <p:extLst>
               <p:ext uri="{D42A27DB-BD31-4B8C-83A1-F6EECF244321}">
-                <p14:modId xmlns:p14="http://schemas.microsoft.com/office/powerpoint/2010/main" val="3681472420"/>
+                <p14:modId xmlns:p14="http://schemas.microsoft.com/office/powerpoint/2010/main" val="2107304827"/>
               </p:ext>
             </p:extLst>
           </p:nvPr>
@@ -16471,11 +16462,43 @@
             </a:pPr>
             <a:r>
               <a:rPr lang="en-US" dirty="0">
-                <a:hlinkClick r:id="rId4"/>
+                <a:hlinkClick r:id="rId4">
+                  <a:extLst>
+                    <a:ext uri="{A12FA001-AC4F-418D-AE19-62706E023703}">
+                      <ahyp:hlinkClr xmlns:ahyp="http://schemas.microsoft.com/office/drawing/2018/hyperlinkcolor" val="tx"/>
+                    </a:ext>
+                  </a:extLst>
+                </a:hlinkClick>
               </a:rPr>
-              <a:t>Green Energy App</a:t>
+              <a:t>Green Energy App:</a:t>
             </a:r>
-            <a:endParaRPr lang="en-US" dirty="0"/>
+          </a:p>
+          <a:p>
+            <a:pPr defTabSz="914400">
+              <a:lnSpc>
+                <a:spcPct val="120000"/>
+              </a:lnSpc>
+              <a:spcAft>
+                <a:spcPts val="600"/>
+              </a:spcAft>
+              <a:buClr>
+                <a:schemeClr val="accent6"/>
+              </a:buClr>
+              <a:buSzPct val="90000"/>
+            </a:pPr>
+            <a:r>
+              <a:rPr lang="en-US" b="1" dirty="0">
+                <a:hlinkClick r:id="rId4">
+                  <a:extLst>
+                    <a:ext uri="{A12FA001-AC4F-418D-AE19-62706E023703}">
+                      <ahyp:hlinkClr xmlns:ahyp="http://schemas.microsoft.com/office/drawing/2018/hyperlinkcolor" val="tx"/>
+                    </a:ext>
+                  </a:extLst>
+                </a:hlinkClick>
+              </a:rPr>
+              <a:t>https://project2-green-energy.herokuapp.com/</a:t>
+            </a:r>
+            <a:endParaRPr lang="en-US" b="1" dirty="0"/>
           </a:p>
           <a:p>
             <a:pPr defTabSz="914400">

--- a/Green Energy Presentation.pptx
+++ b/Green Energy Presentation.pptx
@@ -11,6 +11,7 @@
     <p:sldId id="259" r:id="rId5"/>
     <p:sldId id="260" r:id="rId6"/>
     <p:sldId id="261" r:id="rId7"/>
+    <p:sldId id="263" r:id="rId8"/>
   </p:sldIdLst>
   <p:sldSz cx="12192000" cy="6858000"/>
   <p:notesSz cx="6858000" cy="9144000"/>
@@ -2205,8 +2206,11 @@
       <dgm:spPr/>
     </dgm:pt>
     <dgm:pt modelId="{408D3F45-3214-4CDF-B150-20FCB039A938}" type="pres">
-      <dgm:prSet presAssocID="{2F0962AC-41BF-45A3-BC2C-5C8FA45E0369}" presName="iconRect" presStyleLbl="node1" presStyleIdx="2" presStyleCnt="3"/>
+      <dgm:prSet presAssocID="{2F0962AC-41BF-45A3-BC2C-5C8FA45E0369}" presName="iconRect" presStyleLbl="node1" presStyleIdx="2" presStyleCnt="3" custFlipVert="1" custFlipHor="1" custScaleX="5471" custScaleY="26220" custLinFactNeighborX="-15792" custLinFactNeighborY="-27996"/>
       <dgm:spPr>
+        <a:prstGeom prst="noSmoking">
+          <a:avLst/>
+        </a:prstGeom>
         <a:blipFill>
           <a:blip xmlns:r="http://schemas.openxmlformats.org/officeDocument/2006/relationships" r:embed="rId5">
             <a:extLst>
@@ -3161,11 +3165,11 @@
         <dsp:cNvSpPr/>
       </dsp:nvSpPr>
       <dsp:spPr>
-        <a:xfrm>
-          <a:off x="459622" y="4141047"/>
-          <a:ext cx="835676" cy="835676"/>
+        <a:xfrm flipH="1" flipV="1">
+          <a:off x="722630" y="4215372"/>
+          <a:ext cx="45719" cy="219114"/>
         </a:xfrm>
-        <a:prstGeom prst="rect">
+        <a:prstGeom prst="noSmoking">
           <a:avLst/>
         </a:prstGeom>
         <a:blipFill>
@@ -12765,8 +12769,8 @@
         </p:nvSpPr>
         <p:spPr>
           <a:xfrm>
-            <a:off x="1767974" y="1427431"/>
-            <a:ext cx="9834967" cy="5261603"/>
+            <a:off x="1540564" y="1427431"/>
+            <a:ext cx="10306878" cy="5261603"/>
           </a:xfrm>
           <a:prstGeom prst="rect">
             <a:avLst/>
@@ -12778,7 +12782,7 @@
           </a:bodyPr>
           <a:lstStyle/>
           <a:p>
-            <a:pPr defTabSz="914400">
+            <a:pPr marL="171450" indent="-171450" defTabSz="914400">
               <a:lnSpc>
                 <a:spcPct val="110000"/>
               </a:lnSpc>
@@ -12789,8 +12793,8 @@
                 <a:schemeClr val="accent6"/>
               </a:buClr>
               <a:buSzPct val="90000"/>
-              <a:buFont typeface="Wingdings" panose="05000000000000000000" pitchFamily="2" charset="2"/>
-              <a:buChar char="§"/>
+              <a:buFont typeface="Wingdings" pitchFamily="2" charset="2"/>
+              <a:buChar char="q"/>
             </a:pPr>
             <a:endParaRPr lang="en-US" sz="1100" b="1" dirty="0">
               <a:solidFill>
@@ -12799,7 +12803,7 @@
             </a:endParaRPr>
           </a:p>
           <a:p>
-            <a:pPr defTabSz="914400">
+            <a:pPr marL="285750" indent="-285750" defTabSz="914400">
               <a:lnSpc>
                 <a:spcPct val="110000"/>
               </a:lnSpc>
@@ -12810,8 +12814,8 @@
                 <a:schemeClr val="accent6"/>
               </a:buClr>
               <a:buSzPct val="90000"/>
-              <a:buFont typeface="Wingdings" panose="05000000000000000000" pitchFamily="2" charset="2"/>
-              <a:buChar char="§"/>
+              <a:buFont typeface="Wingdings" pitchFamily="2" charset="2"/>
+              <a:buChar char="q"/>
             </a:pPr>
             <a:r>
               <a:rPr lang="en-US" dirty="0">
@@ -12843,7 +12847,7 @@
             <a:endParaRPr lang="en-US" sz="1600" dirty="0"/>
           </a:p>
           <a:p>
-            <a:pPr defTabSz="914400">
+            <a:pPr marL="285750" indent="-285750" defTabSz="914400">
               <a:lnSpc>
                 <a:spcPct val="110000"/>
               </a:lnSpc>
@@ -12854,8 +12858,8 @@
                 <a:schemeClr val="accent6"/>
               </a:buClr>
               <a:buSzPct val="90000"/>
-              <a:buFont typeface="Wingdings" panose="05000000000000000000" pitchFamily="2" charset="2"/>
-              <a:buChar char="§"/>
+              <a:buFont typeface="Wingdings" pitchFamily="2" charset="2"/>
+              <a:buChar char="q"/>
             </a:pPr>
             <a:endParaRPr lang="en-US" dirty="0">
               <a:solidFill>
@@ -12871,7 +12875,7 @@
             </a:endParaRPr>
           </a:p>
           <a:p>
-            <a:pPr defTabSz="914400">
+            <a:pPr marL="285750" indent="-285750" defTabSz="914400">
               <a:lnSpc>
                 <a:spcPct val="110000"/>
               </a:lnSpc>
@@ -12882,8 +12886,8 @@
                 <a:schemeClr val="accent6"/>
               </a:buClr>
               <a:buSzPct val="90000"/>
-              <a:buFont typeface="Wingdings" panose="05000000000000000000" pitchFamily="2" charset="2"/>
-              <a:buChar char="§"/>
+              <a:buFont typeface="Wingdings" pitchFamily="2" charset="2"/>
+              <a:buChar char="q"/>
             </a:pPr>
             <a:r>
               <a:rPr lang="en-US" dirty="0">
@@ -12922,7 +12926,7 @@
             </a:endParaRPr>
           </a:p>
           <a:p>
-            <a:pPr defTabSz="914400">
+            <a:pPr marL="285750" indent="-285750" defTabSz="914400">
               <a:lnSpc>
                 <a:spcPct val="110000"/>
               </a:lnSpc>
@@ -12933,8 +12937,8 @@
                 <a:schemeClr val="accent6"/>
               </a:buClr>
               <a:buSzPct val="90000"/>
-              <a:buFont typeface="Wingdings" panose="05000000000000000000" pitchFamily="2" charset="2"/>
-              <a:buChar char="§"/>
+              <a:buFont typeface="Wingdings" pitchFamily="2" charset="2"/>
+              <a:buChar char="q"/>
             </a:pPr>
             <a:endParaRPr lang="en-US" sz="1600" dirty="0">
               <a:solidFill>
@@ -12950,7 +12954,7 @@
             </a:endParaRPr>
           </a:p>
           <a:p>
-            <a:pPr defTabSz="914400">
+            <a:pPr marL="285750" indent="-285750" defTabSz="914400">
               <a:lnSpc>
                 <a:spcPct val="110000"/>
               </a:lnSpc>
@@ -12961,8 +12965,8 @@
                 <a:schemeClr val="accent6"/>
               </a:buClr>
               <a:buSzPct val="90000"/>
-              <a:buFont typeface="Wingdings" panose="05000000000000000000" pitchFamily="2" charset="2"/>
-              <a:buChar char="§"/>
+              <a:buFont typeface="Wingdings" pitchFamily="2" charset="2"/>
+              <a:buChar char="q"/>
             </a:pPr>
             <a:r>
               <a:rPr lang="en-US" dirty="0">
@@ -13001,7 +13005,7 @@
             </a:endParaRPr>
           </a:p>
           <a:p>
-            <a:pPr defTabSz="914400">
+            <a:pPr marL="285750" indent="-285750" defTabSz="914400">
               <a:lnSpc>
                 <a:spcPct val="110000"/>
               </a:lnSpc>
@@ -13012,8 +13016,8 @@
                 <a:schemeClr val="accent6"/>
               </a:buClr>
               <a:buSzPct val="90000"/>
-              <a:buFont typeface="Wingdings" panose="05000000000000000000" pitchFamily="2" charset="2"/>
-              <a:buChar char="§"/>
+              <a:buFont typeface="Wingdings" pitchFamily="2" charset="2"/>
+              <a:buChar char="q"/>
             </a:pPr>
             <a:endParaRPr lang="en-US" sz="1600" dirty="0">
               <a:solidFill>
@@ -13029,7 +13033,7 @@
             </a:endParaRPr>
           </a:p>
           <a:p>
-            <a:pPr defTabSz="914400">
+            <a:pPr marL="285750" indent="-285750" defTabSz="914400">
               <a:lnSpc>
                 <a:spcPct val="110000"/>
               </a:lnSpc>
@@ -13040,8 +13044,8 @@
                 <a:schemeClr val="accent6"/>
               </a:buClr>
               <a:buSzPct val="90000"/>
-              <a:buFont typeface="Wingdings" panose="05000000000000000000" pitchFamily="2" charset="2"/>
-              <a:buChar char="§"/>
+              <a:buFont typeface="Wingdings" pitchFamily="2" charset="2"/>
+              <a:buChar char="q"/>
             </a:pPr>
             <a:r>
               <a:rPr lang="en-US" dirty="0">
@@ -13095,7 +13099,7 @@
             </a:endParaRPr>
           </a:p>
           <a:p>
-            <a:pPr defTabSz="914400">
+            <a:pPr marL="285750" indent="-285750" defTabSz="914400">
               <a:lnSpc>
                 <a:spcPct val="110000"/>
               </a:lnSpc>
@@ -13106,8 +13110,8 @@
                 <a:schemeClr val="accent6"/>
               </a:buClr>
               <a:buSzPct val="90000"/>
-              <a:buFont typeface="Wingdings" panose="05000000000000000000" pitchFamily="2" charset="2"/>
-              <a:buChar char="§"/>
+              <a:buFont typeface="Wingdings" pitchFamily="2" charset="2"/>
+              <a:buChar char="q"/>
             </a:pPr>
             <a:endParaRPr lang="en-US" sz="1600" dirty="0">
               <a:solidFill>
@@ -13123,7 +13127,7 @@
             </a:endParaRPr>
           </a:p>
           <a:p>
-            <a:pPr defTabSz="914400">
+            <a:pPr marL="285750" indent="-285750" defTabSz="914400">
               <a:lnSpc>
                 <a:spcPct val="110000"/>
               </a:lnSpc>
@@ -13134,8 +13138,8 @@
                 <a:schemeClr val="accent6"/>
               </a:buClr>
               <a:buSzPct val="90000"/>
-              <a:buFont typeface="Wingdings" panose="05000000000000000000" pitchFamily="2" charset="2"/>
-              <a:buChar char="§"/>
+              <a:buFont typeface="Wingdings" pitchFamily="2" charset="2"/>
+              <a:buChar char="q"/>
             </a:pPr>
             <a:r>
               <a:rPr lang="en-US" dirty="0">
@@ -13174,7 +13178,7 @@
             </a:endParaRPr>
           </a:p>
           <a:p>
-            <a:pPr defTabSz="914400">
+            <a:pPr marL="285750" indent="-285750" defTabSz="914400">
               <a:lnSpc>
                 <a:spcPct val="110000"/>
               </a:lnSpc>
@@ -13185,8 +13189,8 @@
                 <a:schemeClr val="accent6"/>
               </a:buClr>
               <a:buSzPct val="90000"/>
-              <a:buFont typeface="Wingdings" panose="05000000000000000000" pitchFamily="2" charset="2"/>
-              <a:buChar char="§"/>
+              <a:buFont typeface="Wingdings" pitchFamily="2" charset="2"/>
+              <a:buChar char="q"/>
             </a:pPr>
             <a:endParaRPr lang="en-US" sz="1600" u="sng" dirty="0">
               <a:solidFill>
@@ -13195,7 +13199,7 @@
             </a:endParaRPr>
           </a:p>
           <a:p>
-            <a:pPr defTabSz="914400">
+            <a:pPr marL="285750" indent="-285750" defTabSz="914400">
               <a:lnSpc>
                 <a:spcPct val="110000"/>
               </a:lnSpc>
@@ -13206,8 +13210,8 @@
                 <a:schemeClr val="accent6"/>
               </a:buClr>
               <a:buSzPct val="90000"/>
-              <a:buFont typeface="Wingdings" panose="05000000000000000000" pitchFamily="2" charset="2"/>
-              <a:buChar char="§"/>
+              <a:buFont typeface="Wingdings" pitchFamily="2" charset="2"/>
+              <a:buChar char="q"/>
             </a:pPr>
             <a:r>
               <a:rPr lang="en-US" u="sng" dirty="0">
@@ -14095,7 +14099,7 @@
             <a:endParaRPr lang="en-US" b="1" dirty="0"/>
           </a:p>
           <a:p>
-            <a:pPr defTabSz="914400">
+            <a:pPr marL="342900" indent="-342900" defTabSz="914400">
               <a:lnSpc>
                 <a:spcPct val="120000"/>
               </a:lnSpc>
@@ -14106,8 +14110,8 @@
                 <a:schemeClr val="accent6"/>
               </a:buClr>
               <a:buSzPct val="90000"/>
-              <a:buFont typeface="Wingdings" panose="05000000000000000000" pitchFamily="2" charset="2"/>
-              <a:buChar char="§"/>
+              <a:buFont typeface="Wingdings" pitchFamily="2" charset="2"/>
+              <a:buChar char="q"/>
             </a:pPr>
             <a:r>
               <a:rPr lang="en-US" sz="2000" u="sng" dirty="0"/>
@@ -14136,7 +14140,7 @@
             <a:endParaRPr lang="en-US" sz="2000" dirty="0"/>
           </a:p>
           <a:p>
-            <a:pPr defTabSz="914400">
+            <a:pPr marL="342900" indent="-342900" defTabSz="914400">
               <a:lnSpc>
                 <a:spcPct val="120000"/>
               </a:lnSpc>
@@ -14147,8 +14151,8 @@
                 <a:schemeClr val="accent6"/>
               </a:buClr>
               <a:buSzPct val="90000"/>
-              <a:buFont typeface="Wingdings" panose="05000000000000000000" pitchFamily="2" charset="2"/>
-              <a:buChar char="§"/>
+              <a:buFont typeface="Wingdings" pitchFamily="2" charset="2"/>
+              <a:buChar char="q"/>
             </a:pPr>
             <a:r>
               <a:rPr lang="en-US" sz="2000" dirty="0"/>
@@ -14934,7 +14938,7 @@
           <p:nvPr>
             <p:extLst>
               <p:ext uri="{D42A27DB-BD31-4B8C-83A1-F6EECF244321}">
-                <p14:modId xmlns:p14="http://schemas.microsoft.com/office/powerpoint/2010/main" val="3358350586"/>
+                <p14:modId xmlns:p14="http://schemas.microsoft.com/office/powerpoint/2010/main" val="1587266359"/>
               </p:ext>
             </p:extLst>
           </p:nvPr>
@@ -14949,6 +14953,36 @@
           </a:graphicData>
         </a:graphic>
       </p:graphicFrame>
+      <p:pic>
+        <p:nvPicPr>
+          <p:cNvPr id="3" name="Picture 2" descr="A close up of a logo&#10;&#10;Description automatically generated">
+            <a:extLst>
+              <a:ext uri="{FF2B5EF4-FFF2-40B4-BE49-F238E27FC236}">
+                <a16:creationId xmlns:a16="http://schemas.microsoft.com/office/drawing/2014/main" id="{9C8B56AA-F0B3-8F44-A33E-B66C4E78668E}"/>
+              </a:ext>
+            </a:extLst>
+          </p:cNvPr>
+          <p:cNvPicPr>
+            <a:picLocks noChangeAspect="1"/>
+          </p:cNvPicPr>
+          <p:nvPr/>
+        </p:nvPicPr>
+        <p:blipFill>
+          <a:blip r:embed="rId9"/>
+          <a:stretch>
+            <a:fillRect/>
+          </a:stretch>
+        </p:blipFill>
+        <p:spPr>
+          <a:xfrm>
+            <a:off x="5712111" y="4792750"/>
+            <a:ext cx="1329022" cy="1329022"/>
+          </a:xfrm>
+          <a:prstGeom prst="rect">
+            <a:avLst/>
+          </a:prstGeom>
+        </p:spPr>
+      </p:pic>
     </p:spTree>
     <p:extLst>
       <p:ext uri="{BB962C8B-B14F-4D97-AF65-F5344CB8AC3E}">
@@ -16283,12 +16317,12 @@
               </a:spcAft>
             </a:pPr>
             <a:r>
-              <a:rPr lang="en-US" sz="3600">
+              <a:rPr lang="en-US" sz="3600" dirty="0">
                 <a:latin typeface="+mj-lt"/>
                 <a:ea typeface="+mj-ea"/>
                 <a:cs typeface="+mj-cs"/>
               </a:rPr>
-              <a:t>Data Visualization	</a:t>
+              <a:t>Demo</a:t>
             </a:r>
           </a:p>
         </p:txBody>
@@ -16523,6 +16557,720 @@
     <p:extLst>
       <p:ext uri="{BB962C8B-B14F-4D97-AF65-F5344CB8AC3E}">
         <p14:creationId xmlns:p14="http://schemas.microsoft.com/office/powerpoint/2010/main" val="3166470798"/>
+      </p:ext>
+    </p:extLst>
+  </p:cSld>
+  <p:clrMapOvr>
+    <a:overrideClrMapping bg1="lt1" tx1="dk1" bg2="lt2" tx2="dk2" accent1="accent1" accent2="accent2" accent3="accent3" accent4="accent4" accent5="accent5" accent6="accent6" hlink="hlink" folHlink="folHlink"/>
+  </p:clrMapOvr>
+</p:sld>
+</file>
+
+<file path=ppt/slides/slide7.xml><?xml version="1.0" encoding="utf-8"?>
+<p:sld xmlns:a="http://schemas.openxmlformats.org/drawingml/2006/main" xmlns:r="http://schemas.openxmlformats.org/officeDocument/2006/relationships" xmlns:p="http://schemas.openxmlformats.org/presentationml/2006/main" showMasterSp="0">
+  <p:cSld>
+    <p:spTree>
+      <p:nvGrpSpPr>
+        <p:cNvPr id="1" name=""/>
+        <p:cNvGrpSpPr/>
+        <p:nvPr/>
+      </p:nvGrpSpPr>
+      <p:grpSpPr>
+        <a:xfrm>
+          <a:off x="0" y="0"/>
+          <a:ext cx="0" cy="0"/>
+          <a:chOff x="0" y="0"/>
+          <a:chExt cx="0" cy="0"/>
+        </a:xfrm>
+      </p:grpSpPr>
+      <p:pic>
+        <p:nvPicPr>
+          <p:cNvPr id="38" name="Picture 14">
+            <a:extLst>
+              <a:ext uri="{FF2B5EF4-FFF2-40B4-BE49-F238E27FC236}">
+                <a16:creationId xmlns:a16="http://schemas.microsoft.com/office/drawing/2014/main" id="{3DBBA26C-89C3-411F-9753-606A413F89AF}"/>
+              </a:ext>
+              <a:ext uri="{C183D7F6-B498-43B3-948B-1728B52AA6E4}">
+                <adec:decorative xmlns:adec="http://schemas.microsoft.com/office/drawing/2017/decorative" val="1"/>
+              </a:ext>
+            </a:extLst>
+          </p:cNvPr>
+          <p:cNvPicPr>
+            <a:picLocks noGrp="1" noRot="1" noChangeAspect="1" noMove="1" noResize="1" noEditPoints="1" noAdjustHandles="1" noChangeArrowheads="1" noChangeShapeType="1" noCrop="1"/>
+          </p:cNvPicPr>
+          <p:nvPr>
+            <p:extLst>
+              <p:ext uri="{386F3935-93C4-4BCD-93E2-E3B085C9AB24}">
+                <p16:designElem xmlns:p16="http://schemas.microsoft.com/office/powerpoint/2015/main" val="1"/>
+              </p:ext>
+            </p:extLst>
+          </p:nvPr>
+        </p:nvPicPr>
+        <p:blipFill>
+          <a:blip r:embed="rId2">
+            <a:extLst>
+              <a:ext uri="{28A0092B-C50C-407E-A947-70E740481C1C}">
+                <a14:useLocalDpi xmlns:a14="http://schemas.microsoft.com/office/drawing/2010/main" val="0"/>
+              </a:ext>
+            </a:extLst>
+          </a:blip>
+          <a:stretch>
+            <a:fillRect/>
+          </a:stretch>
+        </p:blipFill>
+        <p:spPr>
+          <a:xfrm>
+            <a:off x="2831794" y="2105202"/>
+            <a:ext cx="9360205" cy="4752798"/>
+          </a:xfrm>
+          <a:prstGeom prst="rect">
+            <a:avLst/>
+          </a:prstGeom>
+        </p:spPr>
+      </p:pic>
+      <p:pic>
+        <p:nvPicPr>
+          <p:cNvPr id="39" name="Picture 16">
+            <a:extLst>
+              <a:ext uri="{FF2B5EF4-FFF2-40B4-BE49-F238E27FC236}">
+                <a16:creationId xmlns:a16="http://schemas.microsoft.com/office/drawing/2014/main" id="{EEAD2215-6311-4D1C-B6B5-F57CB6BFCBCA}"/>
+              </a:ext>
+              <a:ext uri="{C183D7F6-B498-43B3-948B-1728B52AA6E4}">
+                <adec:decorative xmlns:adec="http://schemas.microsoft.com/office/drawing/2017/decorative" val="1"/>
+              </a:ext>
+            </a:extLst>
+          </p:cNvPr>
+          <p:cNvPicPr>
+            <a:picLocks noGrp="1" noRot="1" noChangeAspect="1" noMove="1" noResize="1" noEditPoints="1" noAdjustHandles="1" noChangeArrowheads="1" noChangeShapeType="1" noCrop="1"/>
+          </p:cNvPicPr>
+          <p:nvPr>
+            <p:extLst>
+              <p:ext uri="{386F3935-93C4-4BCD-93E2-E3B085C9AB24}">
+                <p16:designElem xmlns:p16="http://schemas.microsoft.com/office/powerpoint/2015/main" val="1"/>
+              </p:ext>
+            </p:extLst>
+          </p:nvPr>
+        </p:nvPicPr>
+        <p:blipFill>
+          <a:blip r:embed="rId3">
+            <a:extLst>
+              <a:ext uri="{28A0092B-C50C-407E-A947-70E740481C1C}">
+                <a14:useLocalDpi xmlns:a14="http://schemas.microsoft.com/office/drawing/2010/main" val="0"/>
+              </a:ext>
+            </a:extLst>
+          </a:blip>
+          <a:stretch>
+            <a:fillRect/>
+          </a:stretch>
+        </p:blipFill>
+        <p:spPr>
+          <a:xfrm>
+            <a:off x="0" y="0"/>
+            <a:ext cx="12189867" cy="6858000"/>
+          </a:xfrm>
+          <a:prstGeom prst="rect">
+            <a:avLst/>
+          </a:prstGeom>
+        </p:spPr>
+      </p:pic>
+      <p:sp>
+        <p:nvSpPr>
+          <p:cNvPr id="40" name="Rectangle 18">
+            <a:extLst>
+              <a:ext uri="{FF2B5EF4-FFF2-40B4-BE49-F238E27FC236}">
+                <a16:creationId xmlns:a16="http://schemas.microsoft.com/office/drawing/2014/main" id="{7BA5DE79-30D1-4A10-8DB9-0A6E523A9723}"/>
+              </a:ext>
+              <a:ext uri="{C183D7F6-B498-43B3-948B-1728B52AA6E4}">
+                <adec:decorative xmlns:adec="http://schemas.microsoft.com/office/drawing/2017/decorative" val="1"/>
+              </a:ext>
+            </a:extLst>
+          </p:cNvPr>
+          <p:cNvSpPr>
+            <a:spLocks noGrp="1" noRot="1" noChangeAspect="1" noMove="1" noResize="1" noEditPoints="1" noAdjustHandles="1" noChangeArrowheads="1" noChangeShapeType="1" noTextEdit="1"/>
+          </p:cNvSpPr>
+          <p:nvPr>
+            <p:extLst>
+              <p:ext uri="{386F3935-93C4-4BCD-93E2-E3B085C9AB24}">
+                <p16:designElem xmlns:p16="http://schemas.microsoft.com/office/powerpoint/2015/main" val="1"/>
+              </p:ext>
+            </p:extLst>
+          </p:nvPr>
+        </p:nvSpPr>
+        <p:spPr>
+          <a:xfrm>
+            <a:off x="0" y="0"/>
+            <a:ext cx="964174" cy="6858000"/>
+          </a:xfrm>
+          <a:prstGeom prst="rect">
+            <a:avLst/>
+          </a:prstGeom>
+          <a:solidFill>
+            <a:schemeClr val="bg2"/>
+          </a:solidFill>
+          <a:ln>
+            <a:noFill/>
+          </a:ln>
+        </p:spPr>
+        <p:style>
+          <a:lnRef idx="2">
+            <a:schemeClr val="accent1">
+              <a:shade val="50000"/>
+            </a:schemeClr>
+          </a:lnRef>
+          <a:fillRef idx="1">
+            <a:schemeClr val="accent1"/>
+          </a:fillRef>
+          <a:effectRef idx="0">
+            <a:schemeClr val="accent1"/>
+          </a:effectRef>
+          <a:fontRef idx="minor">
+            <a:schemeClr val="lt1"/>
+          </a:fontRef>
+        </p:style>
+      </p:sp>
+      <p:sp>
+        <p:nvSpPr>
+          <p:cNvPr id="41" name="Rectangle 20">
+            <a:extLst>
+              <a:ext uri="{FF2B5EF4-FFF2-40B4-BE49-F238E27FC236}">
+                <a16:creationId xmlns:a16="http://schemas.microsoft.com/office/drawing/2014/main" id="{9ABD0D63-D23F-4AE7-8270-4185EF9C1C25}"/>
+              </a:ext>
+              <a:ext uri="{C183D7F6-B498-43B3-948B-1728B52AA6E4}">
+                <adec:decorative xmlns:adec="http://schemas.microsoft.com/office/drawing/2017/decorative" val="1"/>
+              </a:ext>
+            </a:extLst>
+          </p:cNvPr>
+          <p:cNvSpPr>
+            <a:spLocks noGrp="1" noRot="1" noChangeAspect="1" noMove="1" noResize="1" noEditPoints="1" noAdjustHandles="1" noChangeArrowheads="1" noChangeShapeType="1" noTextEdit="1"/>
+          </p:cNvSpPr>
+          <p:nvPr>
+            <p:extLst>
+              <p:ext uri="{386F3935-93C4-4BCD-93E2-E3B085C9AB24}">
+                <p16:designElem xmlns:p16="http://schemas.microsoft.com/office/powerpoint/2015/main" val="1"/>
+              </p:ext>
+            </p:extLst>
+          </p:nvPr>
+        </p:nvSpPr>
+        <p:spPr>
+          <a:xfrm>
+            <a:off x="962042" y="0"/>
+            <a:ext cx="45719" cy="6858000"/>
+          </a:xfrm>
+          <a:prstGeom prst="rect">
+            <a:avLst/>
+          </a:prstGeom>
+          <a:solidFill>
+            <a:schemeClr val="accent6"/>
+          </a:solidFill>
+          <a:ln>
+            <a:noFill/>
+          </a:ln>
+        </p:spPr>
+        <p:style>
+          <a:lnRef idx="2">
+            <a:schemeClr val="accent1">
+              <a:shade val="50000"/>
+            </a:schemeClr>
+          </a:lnRef>
+          <a:fillRef idx="1">
+            <a:schemeClr val="accent1"/>
+          </a:fillRef>
+          <a:effectRef idx="0">
+            <a:schemeClr val="accent1"/>
+          </a:effectRef>
+          <a:fontRef idx="minor">
+            <a:schemeClr val="lt1"/>
+          </a:fontRef>
+        </p:style>
+      </p:sp>
+      <p:sp>
+        <p:nvSpPr>
+          <p:cNvPr id="42" name="Rectangle 22">
+            <a:extLst>
+              <a:ext uri="{FF2B5EF4-FFF2-40B4-BE49-F238E27FC236}">
+                <a16:creationId xmlns:a16="http://schemas.microsoft.com/office/drawing/2014/main" id="{D5B0B43F-2CE7-4C6C-BABC-EE342B32827C}"/>
+              </a:ext>
+              <a:ext uri="{C183D7F6-B498-43B3-948B-1728B52AA6E4}">
+                <adec:decorative xmlns:adec="http://schemas.microsoft.com/office/drawing/2017/decorative" val="1"/>
+              </a:ext>
+            </a:extLst>
+          </p:cNvPr>
+          <p:cNvSpPr>
+            <a:spLocks noGrp="1" noRot="1" noChangeAspect="1" noMove="1" noResize="1" noEditPoints="1" noAdjustHandles="1" noChangeArrowheads="1" noChangeShapeType="1" noTextEdit="1"/>
+          </p:cNvSpPr>
+          <p:nvPr>
+            <p:extLst>
+              <p:ext uri="{386F3935-93C4-4BCD-93E2-E3B085C9AB24}">
+                <p16:designElem xmlns:p16="http://schemas.microsoft.com/office/powerpoint/2015/main" val="1"/>
+              </p:ext>
+            </p:extLst>
+          </p:nvPr>
+        </p:nvSpPr>
+        <p:spPr>
+          <a:xfrm>
+            <a:off x="1004479" y="0"/>
+            <a:ext cx="10372316" cy="6858000"/>
+          </a:xfrm>
+          <a:prstGeom prst="rect">
+            <a:avLst/>
+          </a:prstGeom>
+          <a:solidFill>
+            <a:schemeClr val="bg2">
+              <a:alpha val="92000"/>
+            </a:schemeClr>
+          </a:solidFill>
+          <a:ln>
+            <a:noFill/>
+          </a:ln>
+        </p:spPr>
+        <p:style>
+          <a:lnRef idx="2">
+            <a:schemeClr val="accent1">
+              <a:shade val="50000"/>
+            </a:schemeClr>
+          </a:lnRef>
+          <a:fillRef idx="1">
+            <a:schemeClr val="accent1"/>
+          </a:fillRef>
+          <a:effectRef idx="0">
+            <a:schemeClr val="accent1"/>
+          </a:effectRef>
+          <a:fontRef idx="minor">
+            <a:schemeClr val="lt1"/>
+          </a:fontRef>
+        </p:style>
+      </p:sp>
+      <p:sp>
+        <p:nvSpPr>
+          <p:cNvPr id="43" name="Rectangle 24">
+            <a:extLst>
+              <a:ext uri="{FF2B5EF4-FFF2-40B4-BE49-F238E27FC236}">
+                <a16:creationId xmlns:a16="http://schemas.microsoft.com/office/drawing/2014/main" id="{85459F07-63F9-48CF-B725-A873C4BC3650}"/>
+              </a:ext>
+              <a:ext uri="{C183D7F6-B498-43B3-948B-1728B52AA6E4}">
+                <adec:decorative xmlns:adec="http://schemas.microsoft.com/office/drawing/2017/decorative" val="1"/>
+              </a:ext>
+            </a:extLst>
+          </p:cNvPr>
+          <p:cNvSpPr>
+            <a:spLocks noGrp="1" noRot="1" noChangeAspect="1" noMove="1" noResize="1" noEditPoints="1" noAdjustHandles="1" noChangeArrowheads="1" noChangeShapeType="1" noTextEdit="1"/>
+          </p:cNvSpPr>
+          <p:nvPr>
+            <p:extLst>
+              <p:ext uri="{386F3935-93C4-4BCD-93E2-E3B085C9AB24}">
+                <p16:designElem xmlns:p16="http://schemas.microsoft.com/office/powerpoint/2015/main" val="1"/>
+              </p:ext>
+            </p:extLst>
+          </p:nvPr>
+        </p:nvSpPr>
+        <p:spPr>
+          <a:xfrm>
+            <a:off x="11377328" y="0"/>
+            <a:ext cx="27432" cy="6858000"/>
+          </a:xfrm>
+          <a:prstGeom prst="rect">
+            <a:avLst/>
+          </a:prstGeom>
+          <a:solidFill>
+            <a:schemeClr val="accent6"/>
+          </a:solidFill>
+          <a:ln>
+            <a:noFill/>
+          </a:ln>
+        </p:spPr>
+        <p:style>
+          <a:lnRef idx="2">
+            <a:schemeClr val="accent1">
+              <a:shade val="50000"/>
+            </a:schemeClr>
+          </a:lnRef>
+          <a:fillRef idx="1">
+            <a:schemeClr val="accent1"/>
+          </a:fillRef>
+          <a:effectRef idx="0">
+            <a:schemeClr val="accent1"/>
+          </a:effectRef>
+          <a:fontRef idx="minor">
+            <a:schemeClr val="lt1"/>
+          </a:fontRef>
+        </p:style>
+      </p:sp>
+      <p:sp>
+        <p:nvSpPr>
+          <p:cNvPr id="44" name="TextBox 26">
+            <a:extLst>
+              <a:ext uri="{FF2B5EF4-FFF2-40B4-BE49-F238E27FC236}">
+                <a16:creationId xmlns:a16="http://schemas.microsoft.com/office/drawing/2014/main" id="{14B83E1E-DAC1-4851-84FF-D6FE1649DE0B}"/>
+              </a:ext>
+              <a:ext uri="{C183D7F6-B498-43B3-948B-1728B52AA6E4}">
+                <adec:decorative xmlns:adec="http://schemas.microsoft.com/office/drawing/2017/decorative" val="1"/>
+              </a:ext>
+            </a:extLst>
+          </p:cNvPr>
+          <p:cNvSpPr txBox="1">
+            <a:spLocks noGrp="1" noRot="1" noChangeAspect="1" noMove="1" noResize="1" noEditPoints="1" noAdjustHandles="1" noChangeArrowheads="1" noChangeShapeType="1" noTextEdit="1"/>
+          </p:cNvSpPr>
+          <p:nvPr>
+            <p:extLst>
+              <p:ext uri="{386F3935-93C4-4BCD-93E2-E3B085C9AB24}">
+                <p16:designElem xmlns:p16="http://schemas.microsoft.com/office/powerpoint/2015/main" val="1"/>
+              </p:ext>
+            </p:extLst>
+          </p:nvPr>
+        </p:nvSpPr>
+        <p:spPr>
+          <a:xfrm>
+            <a:off x="2194943" y="641225"/>
+            <a:ext cx="415636" cy="369332"/>
+          </a:xfrm>
+          <a:prstGeom prst="rect">
+            <a:avLst/>
+          </a:prstGeom>
+          <a:noFill/>
+        </p:spPr>
+        <p:txBody>
+          <a:bodyPr wrap="square" rtlCol="0">
+            <a:spAutoFit/>
+          </a:bodyPr>
+          <a:lstStyle/>
+          <a:p>
+            <a:pPr algn="r">
+              <a:spcAft>
+                <a:spcPts val="600"/>
+              </a:spcAft>
+            </a:pPr>
+            <a:r>
+              <a:rPr lang="en-US" sz="1800" dirty="0">
+                <a:solidFill>
+                  <a:schemeClr val="accent6"/>
+                </a:solidFill>
+                <a:latin typeface="Wingdings 3" panose="05040102010807070707" pitchFamily="18" charset="2"/>
+              </a:rPr>
+              <a:t>z</a:t>
+            </a:r>
+            <a:endParaRPr lang="en-US" sz="1000" dirty="0">
+              <a:solidFill>
+                <a:schemeClr val="accent6"/>
+              </a:solidFill>
+              <a:latin typeface="MS Shell Dlg 2" panose="020B0604030504040204" pitchFamily="34" charset="0"/>
+            </a:endParaRPr>
+          </a:p>
+        </p:txBody>
+      </p:sp>
+      <p:pic>
+        <p:nvPicPr>
+          <p:cNvPr id="45" name="Picture 28">
+            <a:extLst>
+              <a:ext uri="{FF2B5EF4-FFF2-40B4-BE49-F238E27FC236}">
+                <a16:creationId xmlns:a16="http://schemas.microsoft.com/office/drawing/2014/main" id="{0214283E-D7B4-49E9-932E-D7F2A2847F1F}"/>
+              </a:ext>
+              <a:ext uri="{C183D7F6-B498-43B3-948B-1728B52AA6E4}">
+                <adec:decorative xmlns:adec="http://schemas.microsoft.com/office/drawing/2017/decorative" val="1"/>
+              </a:ext>
+            </a:extLst>
+          </p:cNvPr>
+          <p:cNvPicPr>
+            <a:picLocks noGrp="1" noRot="1" noChangeAspect="1" noMove="1" noResize="1" noEditPoints="1" noAdjustHandles="1" noChangeArrowheads="1" noChangeShapeType="1" noCrop="1"/>
+          </p:cNvPicPr>
+          <p:nvPr>
+            <p:extLst>
+              <p:ext uri="{386F3935-93C4-4BCD-93E2-E3B085C9AB24}">
+                <p16:designElem xmlns:p16="http://schemas.microsoft.com/office/powerpoint/2015/main" val="1"/>
+              </p:ext>
+            </p:extLst>
+          </p:nvPr>
+        </p:nvPicPr>
+        <p:blipFill>
+          <a:blip r:embed="rId3">
+            <a:extLst>
+              <a:ext uri="{28A0092B-C50C-407E-A947-70E740481C1C}">
+                <a14:useLocalDpi xmlns:a14="http://schemas.microsoft.com/office/drawing/2010/main" val="0"/>
+              </a:ext>
+            </a:extLst>
+          </a:blip>
+          <a:stretch>
+            <a:fillRect/>
+          </a:stretch>
+        </p:blipFill>
+        <p:spPr>
+          <a:xfrm>
+            <a:off x="0" y="0"/>
+            <a:ext cx="12189867" cy="6858000"/>
+          </a:xfrm>
+          <a:prstGeom prst="rect">
+            <a:avLst/>
+          </a:prstGeom>
+        </p:spPr>
+      </p:pic>
+      <p:sp useBgFill="1">
+        <p:nvSpPr>
+          <p:cNvPr id="46" name="Rectangle 30">
+            <a:extLst>
+              <a:ext uri="{FF2B5EF4-FFF2-40B4-BE49-F238E27FC236}">
+                <a16:creationId xmlns:a16="http://schemas.microsoft.com/office/drawing/2014/main" id="{92806DFD-E192-42CC-B190-3C4C95B8FF4E}"/>
+              </a:ext>
+              <a:ext uri="{C183D7F6-B498-43B3-948B-1728B52AA6E4}">
+                <adec:decorative xmlns:adec="http://schemas.microsoft.com/office/drawing/2017/decorative" val="1"/>
+              </a:ext>
+            </a:extLst>
+          </p:cNvPr>
+          <p:cNvSpPr>
+            <a:spLocks noGrp="1" noRot="1" noChangeAspect="1" noMove="1" noResize="1" noEditPoints="1" noAdjustHandles="1" noChangeArrowheads="1" noChangeShapeType="1" noTextEdit="1"/>
+          </p:cNvSpPr>
+          <p:nvPr>
+            <p:extLst>
+              <p:ext uri="{386F3935-93C4-4BCD-93E2-E3B085C9AB24}">
+                <p16:designElem xmlns:p16="http://schemas.microsoft.com/office/powerpoint/2015/main" val="1"/>
+              </p:ext>
+            </p:extLst>
+          </p:nvPr>
+        </p:nvSpPr>
+        <p:spPr>
+          <a:xfrm>
+            <a:off x="2133" y="-1"/>
+            <a:ext cx="12189867" cy="6858001"/>
+          </a:xfrm>
+          <a:prstGeom prst="rect">
+            <a:avLst/>
+          </a:prstGeom>
+          <a:ln>
+            <a:noFill/>
+          </a:ln>
+        </p:spPr>
+        <p:style>
+          <a:lnRef idx="2">
+            <a:schemeClr val="accent1">
+              <a:shade val="50000"/>
+            </a:schemeClr>
+          </a:lnRef>
+          <a:fillRef idx="1">
+            <a:schemeClr val="accent1"/>
+          </a:fillRef>
+          <a:effectRef idx="0">
+            <a:schemeClr val="accent1"/>
+          </a:effectRef>
+          <a:fontRef idx="minor">
+            <a:schemeClr val="lt1"/>
+          </a:fontRef>
+        </p:style>
+        <p:txBody>
+          <a:bodyPr rtlCol="0" anchor="ctr"/>
+          <a:lstStyle/>
+          <a:p>
+            <a:pPr algn="ctr"/>
+            <a:endParaRPr lang="en-US"/>
+          </a:p>
+        </p:txBody>
+      </p:sp>
+      <p:pic>
+        <p:nvPicPr>
+          <p:cNvPr id="47" name="Picture 32">
+            <a:extLst>
+              <a:ext uri="{FF2B5EF4-FFF2-40B4-BE49-F238E27FC236}">
+                <a16:creationId xmlns:a16="http://schemas.microsoft.com/office/drawing/2014/main" id="{9FCFF961-4E84-4FD1-859C-B7F410031CBD}"/>
+              </a:ext>
+              <a:ext uri="{C183D7F6-B498-43B3-948B-1728B52AA6E4}">
+                <adec:decorative xmlns:adec="http://schemas.microsoft.com/office/drawing/2017/decorative" val="1"/>
+              </a:ext>
+            </a:extLst>
+          </p:cNvPr>
+          <p:cNvPicPr>
+            <a:picLocks noGrp="1" noRot="1" noChangeAspect="1" noMove="1" noResize="1" noEditPoints="1" noAdjustHandles="1" noChangeArrowheads="1" noChangeShapeType="1" noCrop="1"/>
+          </p:cNvPicPr>
+          <p:nvPr>
+            <p:extLst>
+              <p:ext uri="{386F3935-93C4-4BCD-93E2-E3B085C9AB24}">
+                <p16:designElem xmlns:p16="http://schemas.microsoft.com/office/powerpoint/2015/main" val="1"/>
+              </p:ext>
+            </p:extLst>
+          </p:nvPr>
+        </p:nvPicPr>
+        <p:blipFill>
+          <a:blip r:embed="rId3">
+            <a:extLst>
+              <a:ext uri="{28A0092B-C50C-407E-A947-70E740481C1C}">
+                <a14:useLocalDpi xmlns:a14="http://schemas.microsoft.com/office/drawing/2010/main" val="0"/>
+              </a:ext>
+            </a:extLst>
+          </a:blip>
+          <a:stretch>
+            <a:fillRect/>
+          </a:stretch>
+        </p:blipFill>
+        <p:spPr>
+          <a:xfrm>
+            <a:off x="21793" y="0"/>
+            <a:ext cx="4632503" cy="6858000"/>
+          </a:xfrm>
+          <a:prstGeom prst="rect">
+            <a:avLst/>
+          </a:prstGeom>
+        </p:spPr>
+      </p:pic>
+      <p:sp>
+        <p:nvSpPr>
+          <p:cNvPr id="48" name="Rectangle 34">
+            <a:extLst>
+              <a:ext uri="{FF2B5EF4-FFF2-40B4-BE49-F238E27FC236}">
+                <a16:creationId xmlns:a16="http://schemas.microsoft.com/office/drawing/2014/main" id="{BB17FFD2-DBC7-4ABB-B2A0-7E18EC1B8074}"/>
+              </a:ext>
+              <a:ext uri="{C183D7F6-B498-43B3-948B-1728B52AA6E4}">
+                <adec:decorative xmlns:adec="http://schemas.microsoft.com/office/drawing/2017/decorative" val="1"/>
+              </a:ext>
+            </a:extLst>
+          </p:cNvPr>
+          <p:cNvSpPr>
+            <a:spLocks noGrp="1" noRot="1" noChangeAspect="1" noMove="1" noResize="1" noEditPoints="1" noAdjustHandles="1" noChangeArrowheads="1" noChangeShapeType="1" noTextEdit="1"/>
+          </p:cNvSpPr>
+          <p:nvPr>
+            <p:extLst>
+              <p:ext uri="{386F3935-93C4-4BCD-93E2-E3B085C9AB24}">
+                <p16:designElem xmlns:p16="http://schemas.microsoft.com/office/powerpoint/2015/main" val="1"/>
+              </p:ext>
+            </p:extLst>
+          </p:nvPr>
+        </p:nvSpPr>
+        <p:spPr>
+          <a:xfrm>
+            <a:off x="0" y="0"/>
+            <a:ext cx="964174" cy="6858000"/>
+          </a:xfrm>
+          <a:prstGeom prst="rect">
+            <a:avLst/>
+          </a:prstGeom>
+          <a:solidFill>
+            <a:schemeClr val="tx2">
+              <a:lumMod val="90000"/>
+              <a:lumOff val="10000"/>
+            </a:schemeClr>
+          </a:solidFill>
+          <a:ln>
+            <a:noFill/>
+          </a:ln>
+        </p:spPr>
+        <p:style>
+          <a:lnRef idx="2">
+            <a:schemeClr val="accent1">
+              <a:shade val="50000"/>
+            </a:schemeClr>
+          </a:lnRef>
+          <a:fillRef idx="1">
+            <a:schemeClr val="accent1"/>
+          </a:fillRef>
+          <a:effectRef idx="0">
+            <a:schemeClr val="accent1"/>
+          </a:effectRef>
+          <a:fontRef idx="minor">
+            <a:schemeClr val="lt1"/>
+          </a:fontRef>
+        </p:style>
+      </p:sp>
+      <p:sp>
+        <p:nvSpPr>
+          <p:cNvPr id="37" name="Rectangle 36">
+            <a:extLst>
+              <a:ext uri="{FF2B5EF4-FFF2-40B4-BE49-F238E27FC236}">
+                <a16:creationId xmlns:a16="http://schemas.microsoft.com/office/drawing/2014/main" id="{DF737BB4-6553-47A8-893F-178A10C6B6BF}"/>
+              </a:ext>
+              <a:ext uri="{C183D7F6-B498-43B3-948B-1728B52AA6E4}">
+                <adec:decorative xmlns:adec="http://schemas.microsoft.com/office/drawing/2017/decorative" val="1"/>
+              </a:ext>
+            </a:extLst>
+          </p:cNvPr>
+          <p:cNvSpPr>
+            <a:spLocks noGrp="1" noRot="1" noChangeAspect="1" noMove="1" noResize="1" noEditPoints="1" noAdjustHandles="1" noChangeArrowheads="1" noChangeShapeType="1" noTextEdit="1"/>
+          </p:cNvSpPr>
+          <p:nvPr>
+            <p:extLst>
+              <p:ext uri="{386F3935-93C4-4BCD-93E2-E3B085C9AB24}">
+                <p16:designElem xmlns:p16="http://schemas.microsoft.com/office/powerpoint/2015/main" val="1"/>
+              </p:ext>
+            </p:extLst>
+          </p:nvPr>
+        </p:nvSpPr>
+        <p:spPr>
+          <a:xfrm>
+            <a:off x="962042" y="0"/>
+            <a:ext cx="45719" cy="6858000"/>
+          </a:xfrm>
+          <a:prstGeom prst="rect">
+            <a:avLst/>
+          </a:prstGeom>
+          <a:solidFill>
+            <a:schemeClr val="accent6"/>
+          </a:solidFill>
+          <a:ln>
+            <a:noFill/>
+          </a:ln>
+        </p:spPr>
+        <p:style>
+          <a:lnRef idx="2">
+            <a:schemeClr val="accent1">
+              <a:shade val="50000"/>
+            </a:schemeClr>
+          </a:lnRef>
+          <a:fillRef idx="1">
+            <a:schemeClr val="accent1"/>
+          </a:fillRef>
+          <a:effectRef idx="0">
+            <a:schemeClr val="accent1"/>
+          </a:effectRef>
+          <a:fontRef idx="minor">
+            <a:schemeClr val="lt1"/>
+          </a:fontRef>
+        </p:style>
+      </p:sp>
+      <p:sp>
+        <p:nvSpPr>
+          <p:cNvPr id="10" name="TextBox 9">
+            <a:extLst>
+              <a:ext uri="{FF2B5EF4-FFF2-40B4-BE49-F238E27FC236}">
+                <a16:creationId xmlns:a16="http://schemas.microsoft.com/office/drawing/2014/main" id="{27586EC1-0A2A-0748-8096-E639020DC31E}"/>
+              </a:ext>
+            </a:extLst>
+          </p:cNvPr>
+          <p:cNvSpPr txBox="1"/>
+          <p:nvPr/>
+        </p:nvSpPr>
+        <p:spPr>
+          <a:xfrm>
+            <a:off x="5329969" y="647750"/>
+            <a:ext cx="5850936" cy="5571066"/>
+          </a:xfrm>
+          <a:prstGeom prst="rect">
+            <a:avLst/>
+          </a:prstGeom>
+        </p:spPr>
+        <p:txBody>
+          <a:bodyPr vert="horz" lIns="91440" tIns="45720" rIns="91440" bIns="45720" rtlCol="0" anchor="ctr">
+            <a:normAutofit/>
+          </a:bodyPr>
+          <a:lstStyle/>
+          <a:p>
+            <a:pPr algn="ctr" defTabSz="914400">
+              <a:lnSpc>
+                <a:spcPct val="120000"/>
+              </a:lnSpc>
+              <a:spcAft>
+                <a:spcPts val="600"/>
+              </a:spcAft>
+              <a:buClr>
+                <a:schemeClr val="accent6"/>
+              </a:buClr>
+              <a:buSzPct val="90000"/>
+            </a:pPr>
+            <a:r>
+              <a:rPr lang="en-US" sz="3200" b="1" dirty="0"/>
+              <a:t>QUESTIONS?</a:t>
+            </a:r>
+            <a:endParaRPr lang="en-US" sz="3200" u="sng" dirty="0"/>
+          </a:p>
+        </p:txBody>
+      </p:sp>
+    </p:spTree>
+    <p:extLst>
+      <p:ext uri="{BB962C8B-B14F-4D97-AF65-F5344CB8AC3E}">
+        <p14:creationId xmlns:p14="http://schemas.microsoft.com/office/powerpoint/2010/main" val="453497174"/>
       </p:ext>
     </p:extLst>
   </p:cSld>
